--- a/doc/Project presentation.pptx
+++ b/doc/Project presentation.pptx
@@ -9,13 +9,15 @@
     <p:sldId id="257" r:id="rId3"/>
     <p:sldId id="258" r:id="rId4"/>
     <p:sldId id="259" r:id="rId5"/>
-    <p:sldId id="260" r:id="rId6"/>
-    <p:sldId id="261" r:id="rId7"/>
-    <p:sldId id="263" r:id="rId8"/>
-    <p:sldId id="264" r:id="rId9"/>
-    <p:sldId id="265" r:id="rId10"/>
-    <p:sldId id="266" r:id="rId11"/>
-    <p:sldId id="267" r:id="rId12"/>
+    <p:sldId id="268" r:id="rId6"/>
+    <p:sldId id="260" r:id="rId7"/>
+    <p:sldId id="261" r:id="rId8"/>
+    <p:sldId id="263" r:id="rId9"/>
+    <p:sldId id="264" r:id="rId10"/>
+    <p:sldId id="265" r:id="rId11"/>
+    <p:sldId id="266" r:id="rId12"/>
+    <p:sldId id="267" r:id="rId13"/>
+    <p:sldId id="269" r:id="rId14"/>
   </p:sldIdLst>
   <p:sldSz cx="12192000" cy="6858000"/>
   <p:notesSz cx="6858000" cy="9144000"/>
@@ -334,7 +336,7 @@
           <a:p>
             <a:fld id="{9AB3A824-1A51-4B26-AD58-A6D8E14F6C04}" type="datetimeFigureOut">
               <a:rPr lang="en-US" dirty="0"/>
-              <a:t>9/26/17</a:t>
+              <a:t>9/27/2017</a:t>
             </a:fld>
             <a:endParaRPr lang="en-US" dirty="0"/>
           </a:p>
@@ -668,7 +670,7 @@
           <a:p>
             <a:fld id="{D857E33E-8B18-4087-B112-809917729534}" type="datetimeFigureOut">
               <a:rPr lang="en-US" dirty="0"/>
-              <a:t>9/26/17</a:t>
+              <a:t>9/27/2017</a:t>
             </a:fld>
             <a:endParaRPr lang="en-US" dirty="0"/>
           </a:p>
@@ -970,7 +972,7 @@
           <a:p>
             <a:fld id="{D3FFE419-2371-464F-8239-3959401C3561}" type="datetimeFigureOut">
               <a:rPr lang="en-US" dirty="0"/>
-              <a:t>9/26/17</a:t>
+              <a:t>9/27/2017</a:t>
             </a:fld>
             <a:endParaRPr lang="en-US" dirty="0"/>
           </a:p>
@@ -1217,7 +1219,7 @@
           <a:p>
             <a:fld id="{97D162C4-EDD9-4389-A98B-B87ECEA2A816}" type="datetimeFigureOut">
               <a:rPr lang="en-US" dirty="0"/>
-              <a:t>9/26/17</a:t>
+              <a:t>9/27/2017</a:t>
             </a:fld>
             <a:endParaRPr lang="en-US" dirty="0"/>
           </a:p>
@@ -1624,7 +1626,7 @@
           <a:p>
             <a:fld id="{3E5059C3-6A89-4494-99FF-5A4D6FFD50EB}" type="datetimeFigureOut">
               <a:rPr lang="en-US" dirty="0"/>
-              <a:t>9/26/17</a:t>
+              <a:t>9/27/2017</a:t>
             </a:fld>
             <a:endParaRPr lang="en-US" dirty="0"/>
           </a:p>
@@ -1938,7 +1940,7 @@
           <a:p>
             <a:fld id="{CA954B2F-12DE-47F5-8894-472B206D2E1E}" type="datetimeFigureOut">
               <a:rPr lang="en-US" dirty="0"/>
-              <a:t>9/26/17</a:t>
+              <a:t>9/27/2017</a:t>
             </a:fld>
             <a:endParaRPr lang="en-US" dirty="0"/>
           </a:p>
@@ -2482,7 +2484,7 @@
           <a:p>
             <a:fld id="{3F30E46F-7819-4ACF-B48B-48222C2ACC88}" type="datetimeFigureOut">
               <a:rPr lang="en-US" dirty="0"/>
-              <a:t>9/26/17</a:t>
+              <a:t>9/27/2017</a:t>
             </a:fld>
             <a:endParaRPr lang="en-US" dirty="0"/>
           </a:p>
@@ -2677,7 +2679,7 @@
           <a:p>
             <a:fld id="{1FAF3416-4057-4DAA-829D-4CA07428D088}" type="datetimeFigureOut">
               <a:rPr lang="en-US" dirty="0"/>
-              <a:t>9/26/17</a:t>
+              <a:t>9/27/2017</a:t>
             </a:fld>
             <a:endParaRPr lang="en-US" dirty="0"/>
           </a:p>
@@ -2890,7 +2892,7 @@
           <a:p>
             <a:fld id="{921D9284-D300-4297-87F7-E791DCC15DB1}" type="datetimeFigureOut">
               <a:rPr lang="en-US" dirty="0"/>
-              <a:t>9/26/17</a:t>
+              <a:t>9/27/2017</a:t>
             </a:fld>
             <a:endParaRPr lang="en-US" dirty="0"/>
           </a:p>
@@ -3259,7 +3261,7 @@
           <a:p>
             <a:fld id="{37D525BB-DA17-4BA0-B3C8-3AC3ABC827E6}" type="datetimeFigureOut">
               <a:rPr lang="en-US" dirty="0"/>
-              <a:t>9/26/17</a:t>
+              <a:t>9/27/2017</a:t>
             </a:fld>
             <a:endParaRPr lang="en-US" dirty="0"/>
           </a:p>
@@ -3662,7 +3664,7 @@
           <a:p>
             <a:fld id="{B16C4C9A-3960-41CF-A4E9-2A8FB932454B}" type="datetimeFigureOut">
               <a:rPr lang="en-US" dirty="0"/>
-              <a:t>9/26/17</a:t>
+              <a:t>9/27/2017</a:t>
             </a:fld>
             <a:endParaRPr lang="en-US" dirty="0"/>
           </a:p>
@@ -4000,7 +4002,7 @@
           <a:p>
             <a:fld id="{3CBC1C18-307B-4F68-A007-B5B542270E8D}" type="datetimeFigureOut">
               <a:rPr lang="en-US" dirty="0"/>
-              <a:t>9/26/17</a:t>
+              <a:t>9/27/2017</a:t>
             </a:fld>
             <a:endParaRPr lang="en-US" dirty="0"/>
           </a:p>
@@ -4562,6 +4564,13 @@
   <p:clrMapOvr>
     <a:masterClrMapping/>
   </p:clrMapOvr>
+  <p:timing>
+    <p:tnLst>
+      <p:par>
+        <p:cTn id="1" dur="indefinite" restart="never" nodeType="tmRoot"/>
+      </p:par>
+    </p:tnLst>
+  </p:timing>
 </p:sld>
 </file>
 
@@ -4582,137 +4591,62 @@
           <a:chExt cx="0" cy="0"/>
         </a:xfrm>
       </p:grpSpPr>
-      <p:sp>
-        <p:nvSpPr>
-          <p:cNvPr id="2" name="Title 1"/>
-          <p:cNvSpPr>
-            <a:spLocks noGrp="1"/>
-          </p:cNvSpPr>
-          <p:nvPr>
-            <p:ph type="title"/>
-          </p:nvPr>
-        </p:nvSpPr>
-        <p:spPr/>
-        <p:txBody>
-          <a:bodyPr/>
+      <p:pic>
+        <p:nvPicPr>
+          <p:cNvPr id="5" name="Picture 4"/>
+          <p:cNvPicPr>
+            <a:picLocks noChangeAspect="1"/>
+          </p:cNvPicPr>
+          <p:nvPr/>
+        </p:nvPicPr>
+        <p:blipFill>
+          <a:blip r:embed="rId2">
+            <a:extLst>
+              <a:ext uri="{28A0092B-C50C-407E-A947-70E740481C1C}">
+                <a14:useLocalDpi xmlns:a14="http://schemas.microsoft.com/office/drawing/2010/main" val="0"/>
+              </a:ext>
+            </a:extLst>
+          </a:blip>
+          <a:stretch>
+            <a:fillRect/>
+          </a:stretch>
+        </p:blipFill>
+        <p:spPr>
+          <a:xfrm>
+            <a:off x="0" y="885824"/>
+            <a:ext cx="12192000" cy="5972175"/>
+          </a:xfrm>
+          <a:prstGeom prst="rect">
+            <a:avLst/>
+          </a:prstGeom>
+        </p:spPr>
+      </p:pic>
+      <p:sp>
+        <p:nvSpPr>
+          <p:cNvPr id="6" name="TextBox 5"/>
+          <p:cNvSpPr txBox="1"/>
+          <p:nvPr/>
+        </p:nvSpPr>
+        <p:spPr>
+          <a:xfrm>
+            <a:off x="3186113" y="414338"/>
+            <a:ext cx="5506636" cy="369332"/>
+          </a:xfrm>
+          <a:prstGeom prst="rect">
+            <a:avLst/>
+          </a:prstGeom>
+          <a:noFill/>
+        </p:spPr>
+        <p:txBody>
+          <a:bodyPr wrap="none" rtlCol="0">
+            <a:spAutoFit/>
+          </a:bodyPr>
           <a:lstStyle/>
           <a:p>
             <a:r>
               <a:rPr lang="en-US" dirty="0" smtClean="0"/>
-              <a:t>Tools used</a:t>
-            </a:r>
-            <a:endParaRPr lang="en-US" dirty="0"/>
-          </a:p>
-        </p:txBody>
-      </p:sp>
-      <p:sp>
-        <p:nvSpPr>
-          <p:cNvPr id="3" name="Content Placeholder 2"/>
-          <p:cNvSpPr>
-            <a:spLocks noGrp="1"/>
-          </p:cNvSpPr>
-          <p:nvPr>
-            <p:ph idx="1"/>
-          </p:nvPr>
-        </p:nvSpPr>
-        <p:spPr/>
-        <p:txBody>
-          <a:bodyPr/>
-          <a:lstStyle/>
-          <a:p>
-            <a:pPr>
-              <a:lnSpc>
-                <a:spcPct val="100000"/>
-              </a:lnSpc>
-              <a:spcBef>
-                <a:spcPts val="0"/>
-              </a:spcBef>
-              <a:spcAft>
-                <a:spcPts val="0"/>
-              </a:spcAft>
-              <a:buClrTx/>
-              <a:buSzTx/>
-            </a:pPr>
-            <a:r>
-              <a:rPr lang="en-US" dirty="0" smtClean="0"/>
-              <a:t>IDE: Eclipse for backend and some frontend work,</a:t>
-            </a:r>
-          </a:p>
-          <a:p>
-            <a:pPr>
-              <a:lnSpc>
-                <a:spcPct val="100000"/>
-              </a:lnSpc>
-              <a:spcBef>
-                <a:spcPts val="0"/>
-              </a:spcBef>
-              <a:spcAft>
-                <a:spcPts val="0"/>
-              </a:spcAft>
-              <a:buClrTx/>
-              <a:buSzTx/>
-            </a:pPr>
-            <a:r>
-              <a:rPr lang="en-US" dirty="0" smtClean="0"/>
-              <a:t>Visual studio code for frontend</a:t>
-            </a:r>
-          </a:p>
-          <a:p>
-            <a:pPr>
-              <a:lnSpc>
-                <a:spcPct val="100000"/>
-              </a:lnSpc>
-              <a:spcBef>
-                <a:spcPts val="0"/>
-              </a:spcBef>
-              <a:spcAft>
-                <a:spcPts val="0"/>
-              </a:spcAft>
-              <a:buClrTx/>
-              <a:buSzTx/>
-            </a:pPr>
-            <a:r>
-              <a:rPr lang="en-US" dirty="0" err="1" smtClean="0"/>
-              <a:t>starUML</a:t>
-            </a:r>
-            <a:r>
-              <a:rPr lang="en-US" dirty="0" smtClean="0"/>
-              <a:t> for diagrams</a:t>
-            </a:r>
-          </a:p>
-          <a:p>
-            <a:pPr>
-              <a:lnSpc>
-                <a:spcPct val="100000"/>
-              </a:lnSpc>
-              <a:spcBef>
-                <a:spcPts val="0"/>
-              </a:spcBef>
-              <a:spcAft>
-                <a:spcPts val="0"/>
-              </a:spcAft>
-              <a:buClrTx/>
-              <a:buSzTx/>
-            </a:pPr>
-            <a:r>
-              <a:rPr lang="en-US" dirty="0" smtClean="0"/>
-              <a:t>Maven in Eclipse to ease the build process</a:t>
-            </a:r>
-          </a:p>
-          <a:p>
-            <a:pPr>
-              <a:lnSpc>
-                <a:spcPct val="100000"/>
-              </a:lnSpc>
-              <a:spcBef>
-                <a:spcPts val="0"/>
-              </a:spcBef>
-              <a:spcAft>
-                <a:spcPts val="0"/>
-              </a:spcAft>
-              <a:buClrTx/>
-              <a:buSzTx/>
-            </a:pPr>
+              <a:t>Example of sequence diagram/ Property registration</a:t>
+            </a:r>
             <a:endParaRPr lang="en-US" dirty="0"/>
           </a:p>
         </p:txBody>
@@ -4720,7 +4654,7 @@
     </p:spTree>
     <p:extLst>
       <p:ext uri="{BB962C8B-B14F-4D97-AF65-F5344CB8AC3E}">
-        <p14:creationId xmlns:p14="http://schemas.microsoft.com/office/powerpoint/2010/main" val="974166761"/>
+        <p14:creationId xmlns:p14="http://schemas.microsoft.com/office/powerpoint/2010/main" val="13294474"/>
       </p:ext>
     </p:extLst>
   </p:cSld>
@@ -4771,7 +4705,7 @@
           <a:p>
             <a:r>
               <a:rPr lang="en-US" dirty="0" smtClean="0"/>
-              <a:t>Technology</a:t>
+              <a:t>Tools used</a:t>
             </a:r>
             <a:endParaRPr lang="en-US" dirty="0"/>
           </a:p>
@@ -4790,6 +4724,270 @@
         <p:spPr/>
         <p:txBody>
           <a:bodyPr/>
+          <a:lstStyle/>
+          <a:p>
+            <a:pPr>
+              <a:lnSpc>
+                <a:spcPct val="100000"/>
+              </a:lnSpc>
+              <a:spcBef>
+                <a:spcPts val="0"/>
+              </a:spcBef>
+              <a:spcAft>
+                <a:spcPts val="0"/>
+              </a:spcAft>
+              <a:buClrTx/>
+              <a:buSzTx/>
+            </a:pPr>
+            <a:r>
+              <a:rPr lang="en-US" dirty="0" smtClean="0"/>
+              <a:t>IDE: Eclipse for backend and some frontend work,</a:t>
+            </a:r>
+          </a:p>
+          <a:p>
+            <a:pPr>
+              <a:lnSpc>
+                <a:spcPct val="100000"/>
+              </a:lnSpc>
+              <a:spcBef>
+                <a:spcPts val="0"/>
+              </a:spcBef>
+              <a:spcAft>
+                <a:spcPts val="0"/>
+              </a:spcAft>
+              <a:buClrTx/>
+              <a:buSzTx/>
+            </a:pPr>
+            <a:r>
+              <a:rPr lang="en-US" dirty="0" smtClean="0"/>
+              <a:t>Visual studio code for frontend</a:t>
+            </a:r>
+          </a:p>
+          <a:p>
+            <a:pPr>
+              <a:lnSpc>
+                <a:spcPct val="100000"/>
+              </a:lnSpc>
+              <a:spcBef>
+                <a:spcPts val="0"/>
+              </a:spcBef>
+              <a:spcAft>
+                <a:spcPts val="0"/>
+              </a:spcAft>
+              <a:buClrTx/>
+              <a:buSzTx/>
+            </a:pPr>
+            <a:r>
+              <a:rPr lang="en-US" dirty="0" err="1" smtClean="0"/>
+              <a:t>starUML</a:t>
+            </a:r>
+            <a:r>
+              <a:rPr lang="en-US" dirty="0" smtClean="0"/>
+              <a:t> for diagrams</a:t>
+            </a:r>
+          </a:p>
+          <a:p>
+            <a:pPr>
+              <a:lnSpc>
+                <a:spcPct val="100000"/>
+              </a:lnSpc>
+              <a:spcBef>
+                <a:spcPts val="0"/>
+              </a:spcBef>
+              <a:spcAft>
+                <a:spcPts val="0"/>
+              </a:spcAft>
+              <a:buClrTx/>
+              <a:buSzTx/>
+            </a:pPr>
+            <a:r>
+              <a:rPr lang="en-US" dirty="0" smtClean="0"/>
+              <a:t>Maven in Eclipse to ease the build </a:t>
+            </a:r>
+            <a:r>
+              <a:rPr lang="en-US" dirty="0" smtClean="0"/>
+              <a:t>process</a:t>
+            </a:r>
+          </a:p>
+          <a:p>
+            <a:pPr>
+              <a:lnSpc>
+                <a:spcPct val="100000"/>
+              </a:lnSpc>
+              <a:spcBef>
+                <a:spcPts val="0"/>
+              </a:spcBef>
+              <a:spcAft>
+                <a:spcPts val="0"/>
+              </a:spcAft>
+              <a:buClrTx/>
+              <a:buSzTx/>
+            </a:pPr>
+            <a:r>
+              <a:rPr lang="en-US" dirty="0" err="1" smtClean="0"/>
+              <a:t>Navicate</a:t>
+            </a:r>
+            <a:r>
+              <a:rPr lang="en-US" dirty="0" smtClean="0"/>
+              <a:t> and PHP my admin for database management</a:t>
+            </a:r>
+          </a:p>
+          <a:p>
+            <a:pPr>
+              <a:lnSpc>
+                <a:spcPct val="100000"/>
+              </a:lnSpc>
+              <a:spcBef>
+                <a:spcPts val="0"/>
+              </a:spcBef>
+              <a:spcAft>
+                <a:spcPts val="0"/>
+              </a:spcAft>
+              <a:buClrTx/>
+              <a:buSzTx/>
+            </a:pPr>
+            <a:r>
+              <a:rPr lang="en-US" dirty="0" err="1" smtClean="0"/>
+              <a:t>TortoiseGit</a:t>
+            </a:r>
+            <a:r>
+              <a:rPr lang="en-US" dirty="0" smtClean="0"/>
+              <a:t> </a:t>
+            </a:r>
+            <a:r>
+              <a:rPr lang="en-US" dirty="0"/>
+              <a:t>for subversion version </a:t>
+            </a:r>
+            <a:r>
+              <a:rPr lang="en-US" dirty="0" smtClean="0"/>
+              <a:t>control</a:t>
+            </a:r>
+          </a:p>
+          <a:p>
+            <a:pPr>
+              <a:lnSpc>
+                <a:spcPct val="100000"/>
+              </a:lnSpc>
+              <a:spcBef>
+                <a:spcPts val="0"/>
+              </a:spcBef>
+              <a:spcAft>
+                <a:spcPts val="0"/>
+              </a:spcAft>
+              <a:buClrTx/>
+              <a:buSzTx/>
+            </a:pPr>
+            <a:r>
+              <a:rPr lang="en-US" dirty="0"/>
+              <a:t>Apache tomcat 8.5 </a:t>
+            </a:r>
+            <a:r>
+              <a:rPr lang="en-US" dirty="0" smtClean="0"/>
+              <a:t>for application </a:t>
+            </a:r>
+            <a:r>
+              <a:rPr lang="en-US" dirty="0"/>
+              <a:t>server</a:t>
+            </a:r>
+            <a:r>
+              <a:rPr lang="en-US" dirty="0" smtClean="0"/>
+              <a:t>.</a:t>
+            </a:r>
+            <a:endParaRPr lang="en-US" dirty="0" smtClean="0"/>
+          </a:p>
+          <a:p>
+            <a:pPr>
+              <a:lnSpc>
+                <a:spcPct val="100000"/>
+              </a:lnSpc>
+              <a:spcBef>
+                <a:spcPts val="0"/>
+              </a:spcBef>
+              <a:spcAft>
+                <a:spcPts val="0"/>
+              </a:spcAft>
+              <a:buClrTx/>
+              <a:buSzTx/>
+            </a:pPr>
+            <a:endParaRPr lang="en-US" dirty="0"/>
+          </a:p>
+        </p:txBody>
+      </p:sp>
+    </p:spTree>
+    <p:extLst>
+      <p:ext uri="{BB962C8B-B14F-4D97-AF65-F5344CB8AC3E}">
+        <p14:creationId xmlns:p14="http://schemas.microsoft.com/office/powerpoint/2010/main" val="974166761"/>
+      </p:ext>
+    </p:extLst>
+  </p:cSld>
+  <p:clrMapOvr>
+    <a:masterClrMapping/>
+  </p:clrMapOvr>
+  <p:timing>
+    <p:tnLst>
+      <p:par>
+        <p:cTn id="1" dur="indefinite" restart="never" nodeType="tmRoot"/>
+      </p:par>
+    </p:tnLst>
+  </p:timing>
+</p:sld>
+</file>
+
+<file path=ppt/slides/slide12.xml><?xml version="1.0" encoding="utf-8"?>
+<p:sld xmlns:a="http://schemas.openxmlformats.org/drawingml/2006/main" xmlns:r="http://schemas.openxmlformats.org/officeDocument/2006/relationships" xmlns:p="http://schemas.openxmlformats.org/presentationml/2006/main">
+  <p:cSld>
+    <p:spTree>
+      <p:nvGrpSpPr>
+        <p:cNvPr id="1" name=""/>
+        <p:cNvGrpSpPr/>
+        <p:nvPr/>
+      </p:nvGrpSpPr>
+      <p:grpSpPr>
+        <a:xfrm>
+          <a:off x="0" y="0"/>
+          <a:ext cx="0" cy="0"/>
+          <a:chOff x="0" y="0"/>
+          <a:chExt cx="0" cy="0"/>
+        </a:xfrm>
+      </p:grpSpPr>
+      <p:sp>
+        <p:nvSpPr>
+          <p:cNvPr id="2" name="Title 1"/>
+          <p:cNvSpPr>
+            <a:spLocks noGrp="1"/>
+          </p:cNvSpPr>
+          <p:nvPr>
+            <p:ph type="title"/>
+          </p:nvPr>
+        </p:nvSpPr>
+        <p:spPr/>
+        <p:txBody>
+          <a:bodyPr/>
+          <a:lstStyle/>
+          <a:p>
+            <a:r>
+              <a:rPr lang="en-US" dirty="0" smtClean="0"/>
+              <a:t>Technology</a:t>
+            </a:r>
+            <a:endParaRPr lang="en-US" dirty="0"/>
+          </a:p>
+        </p:txBody>
+      </p:sp>
+      <p:sp>
+        <p:nvSpPr>
+          <p:cNvPr id="3" name="Content Placeholder 2"/>
+          <p:cNvSpPr>
+            <a:spLocks noGrp="1"/>
+          </p:cNvSpPr>
+          <p:nvPr>
+            <p:ph idx="1"/>
+          </p:nvPr>
+        </p:nvSpPr>
+        <p:spPr/>
+        <p:txBody>
+          <a:bodyPr>
+            <a:normAutofit fontScale="92500" lnSpcReduction="20000"/>
+          </a:bodyPr>
           <a:lstStyle/>
           <a:p>
             <a:pPr marL="0" marR="0" lvl="0" indent="0" defTabSz="914400" eaLnBrk="1" fontAlgn="auto" latinLnBrk="0" hangingPunct="1">
@@ -4873,7 +5071,15 @@
             </a:pPr>
             <a:r>
               <a:rPr lang="en-US" dirty="0" smtClean="0"/>
-              <a:t>Java is the programming language used for backend development. Servlets were used as controllers, and the model is made of java classes.</a:t>
+              <a:t>Java </a:t>
+            </a:r>
+            <a:r>
+              <a:rPr lang="en-US" dirty="0" smtClean="0"/>
+              <a:t>is the programming language used for backend development. Servlets were used as controllers, and the model is made of java classes</a:t>
+            </a:r>
+            <a:r>
+              <a:rPr lang="en-US" dirty="0" smtClean="0"/>
+              <a:t>.</a:t>
             </a:r>
           </a:p>
           <a:p>
@@ -4893,6 +5099,68 @@
             <a:endParaRPr lang="en-US" dirty="0" smtClean="0"/>
           </a:p>
           <a:p>
+            <a:pPr lvl="1">
+              <a:lnSpc>
+                <a:spcPct val="100000"/>
+              </a:lnSpc>
+              <a:spcBef>
+                <a:spcPts val="0"/>
+              </a:spcBef>
+              <a:spcAft>
+                <a:spcPts val="0"/>
+              </a:spcAft>
+              <a:buClrTx/>
+              <a:buSzTx/>
+            </a:pPr>
+            <a:r>
+              <a:rPr lang="en-US" dirty="0" smtClean="0"/>
+              <a:t>Java 1.8</a:t>
+            </a:r>
+          </a:p>
+          <a:p>
+            <a:pPr lvl="1">
+              <a:lnSpc>
+                <a:spcPct val="100000"/>
+              </a:lnSpc>
+              <a:spcBef>
+                <a:spcPts val="0"/>
+              </a:spcBef>
+              <a:spcAft>
+                <a:spcPts val="0"/>
+              </a:spcAft>
+              <a:buClrTx/>
+              <a:buSzTx/>
+            </a:pPr>
+            <a:r>
+              <a:rPr lang="en-US" dirty="0" smtClean="0"/>
+              <a:t>Servlet </a:t>
+            </a:r>
+            <a:r>
+              <a:rPr lang="en-US" dirty="0" smtClean="0"/>
+              <a:t>3.1.0</a:t>
+            </a:r>
+          </a:p>
+          <a:p>
+            <a:pPr lvl="1">
+              <a:lnSpc>
+                <a:spcPct val="100000"/>
+              </a:lnSpc>
+              <a:spcBef>
+                <a:spcPts val="0"/>
+              </a:spcBef>
+              <a:spcAft>
+                <a:spcPts val="0"/>
+              </a:spcAft>
+              <a:buClrTx/>
+              <a:buSzTx/>
+            </a:pPr>
+            <a:r>
+              <a:rPr lang="en-US" dirty="0" smtClean="0"/>
+              <a:t>JSTL 1.2</a:t>
+            </a:r>
+            <a:endParaRPr lang="en-US" dirty="0" smtClean="0"/>
+          </a:p>
+          <a:p>
             <a:pPr>
               <a:lnSpc>
                 <a:spcPct val="100000"/>
@@ -4906,10 +5174,7 @@
               <a:buClrTx/>
               <a:buSzTx/>
             </a:pPr>
-            <a:r>
-              <a:rPr lang="en-US" dirty="0" smtClean="0"/>
-              <a:t>JSP,HTML, JavaScript, jQuery were used on front end.</a:t>
-            </a:r>
+            <a:endParaRPr lang="en-US" dirty="0" smtClean="0"/>
           </a:p>
           <a:p>
             <a:pPr>
@@ -4926,37 +5191,26 @@
               <a:buSzTx/>
             </a:pPr>
             <a:r>
-              <a:rPr lang="en-US" dirty="0" err="1" smtClean="0"/>
-              <a:t>gitHub</a:t>
-            </a:r>
-            <a:r>
               <a:rPr lang="en-US" dirty="0" smtClean="0"/>
-              <a:t>, </a:t>
-            </a:r>
-            <a:r>
-              <a:rPr lang="en-US" dirty="0" err="1" smtClean="0"/>
-              <a:t>git</a:t>
+              <a:t>JSP, HTML5, JavaScript, jQuery </a:t>
+            </a:r>
+            <a:r>
+              <a:rPr lang="en-US" dirty="0"/>
+              <a:t>3.2.1 </a:t>
             </a:r>
             <a:r>
               <a:rPr lang="en-US" dirty="0" smtClean="0"/>
-              <a:t> </a:t>
-            </a:r>
-            <a:r>
-              <a:rPr lang="en-US" dirty="0" err="1" smtClean="0"/>
-              <a:t>nd</a:t>
+              <a:t>and </a:t>
+            </a:r>
+            <a:r>
+              <a:rPr lang="en-US" dirty="0"/>
+              <a:t>Bootstrap v3.0.3 were </a:t>
             </a:r>
             <a:r>
               <a:rPr lang="en-US" dirty="0" smtClean="0"/>
-              <a:t> </a:t>
-            </a:r>
-            <a:r>
-              <a:rPr lang="en-US" dirty="0" err="1" smtClean="0"/>
-              <a:t>tortoisegit</a:t>
-            </a:r>
-            <a:r>
-              <a:rPr lang="en-US" dirty="0" smtClean="0"/>
-              <a:t> were used to share the work between members and truck the progress.</a:t>
-            </a:r>
+              <a:t>used on front end.</a:t>
+            </a:r>
+            <a:endParaRPr lang="en-US" dirty="0" smtClean="0"/>
           </a:p>
           <a:p>
             <a:pPr>
@@ -4973,10 +5227,63 @@
               <a:buSzTx/>
             </a:pPr>
             <a:r>
-              <a:rPr lang="en-US" smtClean="0"/>
-              <a:t>MySQL was used as database.</a:t>
-            </a:r>
-            <a:endParaRPr lang="en-US" dirty="0" smtClean="0"/>
+              <a:rPr lang="en-US" dirty="0" err="1" smtClean="0"/>
+              <a:t>gitHub</a:t>
+            </a:r>
+            <a:r>
+              <a:rPr lang="en-US" dirty="0" smtClean="0"/>
+              <a:t> was used </a:t>
+            </a:r>
+            <a:r>
+              <a:rPr lang="en-US" dirty="0" smtClean="0"/>
+              <a:t>to share the work between members and truck the progress.</a:t>
+            </a:r>
+          </a:p>
+          <a:p>
+            <a:pPr>
+              <a:lnSpc>
+                <a:spcPct val="100000"/>
+              </a:lnSpc>
+              <a:spcBef>
+                <a:spcPts val="0"/>
+              </a:spcBef>
+              <a:spcAft>
+                <a:spcPts val="0"/>
+              </a:spcAft>
+              <a:buClrTx/>
+              <a:buSzTx/>
+            </a:pPr>
+            <a:r>
+              <a:rPr lang="en-US" dirty="0"/>
+              <a:t>MySQL </a:t>
+            </a:r>
+            <a:r>
+              <a:rPr lang="en-US" dirty="0" smtClean="0"/>
+              <a:t>5.6.36</a:t>
+            </a:r>
+            <a:r>
+              <a:rPr lang="en-US" dirty="0" smtClean="0"/>
+              <a:t> was used as database.</a:t>
+            </a:r>
+          </a:p>
+          <a:p>
+            <a:pPr>
+              <a:lnSpc>
+                <a:spcPct val="100000"/>
+              </a:lnSpc>
+              <a:spcBef>
+                <a:spcPts val="0"/>
+              </a:spcBef>
+              <a:spcAft>
+                <a:spcPts val="0"/>
+              </a:spcAft>
+              <a:buClrTx/>
+              <a:buSzTx/>
+            </a:pPr>
+            <a:r>
+              <a:rPr lang="en-US" dirty="0" smtClean="0"/>
+              <a:t>Apache maven 3.3.9 was used project management</a:t>
+            </a:r>
           </a:p>
         </p:txBody>
       </p:sp>
@@ -4984,6 +5291,146 @@
     <p:extLst>
       <p:ext uri="{BB962C8B-B14F-4D97-AF65-F5344CB8AC3E}">
         <p14:creationId xmlns:p14="http://schemas.microsoft.com/office/powerpoint/2010/main" val="1616149278"/>
+      </p:ext>
+    </p:extLst>
+  </p:cSld>
+  <p:clrMapOvr>
+    <a:masterClrMapping/>
+  </p:clrMapOvr>
+  <p:timing>
+    <p:tnLst>
+      <p:par>
+        <p:cTn id="1" dur="indefinite" restart="never" nodeType="tmRoot"/>
+      </p:par>
+    </p:tnLst>
+  </p:timing>
+</p:sld>
+</file>
+
+<file path=ppt/slides/slide13.xml><?xml version="1.0" encoding="utf-8"?>
+<p:sld xmlns:a="http://schemas.openxmlformats.org/drawingml/2006/main" xmlns:r="http://schemas.openxmlformats.org/officeDocument/2006/relationships" xmlns:p="http://schemas.openxmlformats.org/presentationml/2006/main">
+  <p:cSld>
+    <p:spTree>
+      <p:nvGrpSpPr>
+        <p:cNvPr id="1" name=""/>
+        <p:cNvGrpSpPr/>
+        <p:nvPr/>
+      </p:nvGrpSpPr>
+      <p:grpSpPr>
+        <a:xfrm>
+          <a:off x="0" y="0"/>
+          <a:ext cx="0" cy="0"/>
+          <a:chOff x="0" y="0"/>
+          <a:chExt cx="0" cy="0"/>
+        </a:xfrm>
+      </p:grpSpPr>
+      <p:sp>
+        <p:nvSpPr>
+          <p:cNvPr id="2" name="Title 1"/>
+          <p:cNvSpPr>
+            <a:spLocks noGrp="1"/>
+          </p:cNvSpPr>
+          <p:nvPr>
+            <p:ph type="title"/>
+          </p:nvPr>
+        </p:nvSpPr>
+        <p:spPr/>
+        <p:txBody>
+          <a:bodyPr/>
+          <a:lstStyle/>
+          <a:p>
+            <a:endParaRPr lang="en-US" dirty="0"/>
+          </a:p>
+        </p:txBody>
+      </p:sp>
+      <p:sp>
+        <p:nvSpPr>
+          <p:cNvPr id="3" name="Content Placeholder 2"/>
+          <p:cNvSpPr>
+            <a:spLocks noGrp="1"/>
+          </p:cNvSpPr>
+          <p:nvPr>
+            <p:ph idx="1"/>
+          </p:nvPr>
+        </p:nvSpPr>
+        <p:spPr/>
+        <p:txBody>
+          <a:bodyPr>
+            <a:normAutofit/>
+          </a:bodyPr>
+          <a:lstStyle/>
+          <a:p>
+            <a:pPr marL="0" marR="0" lvl="0" indent="0" defTabSz="914400" eaLnBrk="1" fontAlgn="auto" latinLnBrk="0" hangingPunct="1">
+              <a:lnSpc>
+                <a:spcPct val="100000"/>
+              </a:lnSpc>
+              <a:spcBef>
+                <a:spcPts val="0"/>
+              </a:spcBef>
+              <a:spcAft>
+                <a:spcPts val="0"/>
+              </a:spcAft>
+              <a:buClrTx/>
+              <a:buSzTx/>
+              <a:buFontTx/>
+              <a:buNone/>
+              <a:tabLst/>
+              <a:defRPr/>
+            </a:pPr>
+            <a:r>
+              <a:rPr lang="en-US" sz="5400" dirty="0" smtClean="0"/>
+              <a:t>Thank you</a:t>
+            </a:r>
+          </a:p>
+          <a:p>
+            <a:pPr marL="0" marR="0" lvl="0" indent="0" defTabSz="914400" eaLnBrk="1" fontAlgn="auto" latinLnBrk="0" hangingPunct="1">
+              <a:lnSpc>
+                <a:spcPct val="100000"/>
+              </a:lnSpc>
+              <a:spcBef>
+                <a:spcPts val="0"/>
+              </a:spcBef>
+              <a:spcAft>
+                <a:spcPts val="0"/>
+              </a:spcAft>
+              <a:buClrTx/>
+              <a:buSzTx/>
+              <a:buFontTx/>
+              <a:buNone/>
+              <a:tabLst/>
+              <a:defRPr/>
+            </a:pPr>
+            <a:endParaRPr lang="en-US" sz="1800" dirty="0"/>
+          </a:p>
+          <a:p>
+            <a:pPr marL="0" marR="0" lvl="0" indent="0" defTabSz="914400" eaLnBrk="1" fontAlgn="auto" latinLnBrk="0" hangingPunct="1">
+              <a:lnSpc>
+                <a:spcPct val="100000"/>
+              </a:lnSpc>
+              <a:spcBef>
+                <a:spcPts val="0"/>
+              </a:spcBef>
+              <a:spcAft>
+                <a:spcPts val="0"/>
+              </a:spcAft>
+              <a:buClrTx/>
+              <a:buSzTx/>
+              <a:buFontTx/>
+              <a:buNone/>
+              <a:tabLst/>
+              <a:defRPr/>
+            </a:pPr>
+            <a:r>
+              <a:rPr lang="en-US" sz="1800" dirty="0" smtClean="0"/>
+              <a:t>Show the demo</a:t>
+            </a:r>
+          </a:p>
+        </p:txBody>
+      </p:sp>
+    </p:spTree>
+    <p:extLst>
+      <p:ext uri="{BB962C8B-B14F-4D97-AF65-F5344CB8AC3E}">
+        <p14:creationId xmlns:p14="http://schemas.microsoft.com/office/powerpoint/2010/main" val="3593416575"/>
       </p:ext>
     </p:extLst>
   </p:cSld>
@@ -5519,6 +5966,13 @@
   <p:clrMapOvr>
     <a:masterClrMapping/>
   </p:clrMapOvr>
+  <p:timing>
+    <p:tnLst>
+      <p:par>
+        <p:cTn id="1" dur="indefinite" restart="never" nodeType="tmRoot"/>
+      </p:par>
+    </p:tnLst>
+  </p:timing>
 </p:sld>
 </file>
 
@@ -5596,7 +6050,23 @@
             </a:pPr>
             <a:r>
               <a:rPr lang="en-US" dirty="0" smtClean="0"/>
-              <a:t>The Real Estate Management system is a web based application which connect property sellers and buyers or renters. In this system there are three actors or users: Buyer, Seller and Manager or Agent.</a:t>
+              <a:t>The Real Estate Management system is a web based application which connect property sellers and buyers or renters. In this system there are </a:t>
+            </a:r>
+            <a:r>
+              <a:rPr lang="en-US" dirty="0" smtClean="0"/>
+              <a:t>four </a:t>
+            </a:r>
+            <a:r>
+              <a:rPr lang="en-US" dirty="0" smtClean="0"/>
+              <a:t>actors or users: </a:t>
+            </a:r>
+            <a:r>
+              <a:rPr lang="en-US" dirty="0" smtClean="0"/>
+              <a:t>Admin, Buyer</a:t>
+            </a:r>
+            <a:r>
+              <a:rPr lang="en-US" dirty="0" smtClean="0"/>
+              <a:t>, Seller and Manager or Agent.</a:t>
             </a:r>
             <a:endParaRPr lang="en-US" dirty="0"/>
           </a:p>
@@ -5696,51 +6166,35 @@
             </a:pPr>
             <a:r>
               <a:rPr lang="en-US" dirty="0" smtClean="0"/>
-              <a:t>Seller:</a:t>
-            </a:r>
-          </a:p>
-          <a:p>
+              <a:t>Admin:</a:t>
+            </a:r>
+            <a:endParaRPr lang="en-US" dirty="0" smtClean="0"/>
+          </a:p>
+          <a:p>
+            <a:r>
+              <a:rPr lang="en-US" dirty="0" smtClean="0"/>
+              <a:t>Approve pending requests of new property</a:t>
+            </a:r>
+          </a:p>
+          <a:p>
+            <a:r>
+              <a:rPr lang="en-US" dirty="0" smtClean="0"/>
+              <a:t>View</a:t>
+            </a:r>
             <a:r>
               <a:rPr lang="en-US" dirty="0"/>
-              <a:t>Register/login/logout </a:t>
+              <a:t>, create, update, delete property </a:t>
             </a:r>
           </a:p>
           <a:p>
             <a:r>
               <a:rPr lang="en-US" dirty="0"/>
-              <a:t>View, create, update, delete property </a:t>
-            </a:r>
-          </a:p>
-          <a:p>
-            <a:r>
-              <a:rPr lang="en-US" dirty="0"/>
-              <a:t>Give information</a:t>
-            </a:r>
-          </a:p>
-          <a:p>
-            <a:r>
-              <a:rPr lang="en-US" dirty="0"/>
-              <a:t>Sell, rent, buy delegate service</a:t>
-            </a:r>
-          </a:p>
-          <a:p>
-            <a:pPr marL="0" marR="0" lvl="0" indent="0" defTabSz="914400" eaLnBrk="1" fontAlgn="auto" latinLnBrk="0" hangingPunct="1">
-              <a:lnSpc>
-                <a:spcPct val="100000"/>
-              </a:lnSpc>
-              <a:spcBef>
-                <a:spcPts val="0"/>
-              </a:spcBef>
-              <a:spcAft>
-                <a:spcPts val="0"/>
-              </a:spcAft>
-              <a:buClrTx/>
-              <a:buSzTx/>
-              <a:buFontTx/>
-              <a:buNone/>
-              <a:tabLst/>
-              <a:defRPr/>
-            </a:pPr>
+              <a:t>Give </a:t>
+            </a:r>
+            <a:r>
+              <a:rPr lang="en-US" dirty="0" smtClean="0"/>
+              <a:t>information</a:t>
+            </a:r>
             <a:endParaRPr lang="en-US" dirty="0"/>
           </a:p>
         </p:txBody>
@@ -5798,20 +6252,8 @@
           <a:lstStyle/>
           <a:p>
             <a:r>
-              <a:rPr lang="en-US" dirty="0"/>
-              <a:t>Key </a:t>
-            </a:r>
-            <a:r>
               <a:rPr lang="en-US" dirty="0" smtClean="0"/>
-              <a:t>features(</a:t>
-            </a:r>
-            <a:r>
-              <a:rPr lang="en-US" dirty="0" err="1" smtClean="0"/>
-              <a:t>Con’t</a:t>
-            </a:r>
-            <a:r>
-              <a:rPr lang="en-US" dirty="0" smtClean="0"/>
-              <a:t>)</a:t>
+              <a:t>Key features</a:t>
             </a:r>
             <a:endParaRPr lang="en-US" dirty="0"/>
           </a:p>
@@ -5851,31 +6293,31 @@
             </a:pPr>
             <a:r>
               <a:rPr lang="en-US" dirty="0" smtClean="0"/>
-              <a:t>Buyer</a:t>
+              <a:t>Seller:</a:t>
             </a:r>
           </a:p>
           <a:p>
             <a:r>
               <a:rPr lang="en-US" dirty="0"/>
-              <a:t>Search</a:t>
+              <a:t>Register/login/logout </a:t>
             </a:r>
           </a:p>
           <a:p>
             <a:r>
               <a:rPr lang="en-US" dirty="0"/>
-              <a:t>Register, login. Logout</a:t>
+              <a:t>View, create, update, delete property </a:t>
             </a:r>
           </a:p>
           <a:p>
             <a:r>
               <a:rPr lang="en-US" dirty="0"/>
-              <a:t>Ask information</a:t>
+              <a:t>Give information</a:t>
             </a:r>
           </a:p>
           <a:p>
             <a:r>
               <a:rPr lang="en-US" dirty="0"/>
-              <a:t>Buy, rent</a:t>
+              <a:t>Sell, rent, buy delegate service</a:t>
             </a:r>
           </a:p>
           <a:p>
@@ -5903,7 +6345,7 @@
     </p:spTree>
     <p:extLst>
       <p:ext uri="{BB962C8B-B14F-4D97-AF65-F5344CB8AC3E}">
-        <p14:creationId xmlns:p14="http://schemas.microsoft.com/office/powerpoint/2010/main" val="1098771653"/>
+        <p14:creationId xmlns:p14="http://schemas.microsoft.com/office/powerpoint/2010/main" val="2660416654"/>
       </p:ext>
     </p:extLst>
   </p:cSld>
@@ -5954,16 +6396,21 @@
           <a:p>
             <a:r>
               <a:rPr lang="en-US" dirty="0"/>
-              <a:t>Key features(</a:t>
-            </a:r>
-            <a:r>
-              <a:rPr lang="en-US" dirty="0" err="1"/>
+              <a:t>Key </a:t>
+            </a:r>
+            <a:r>
+              <a:rPr lang="en-US" dirty="0" smtClean="0"/>
+              <a:t>features(</a:t>
+            </a:r>
+            <a:r>
+              <a:rPr lang="en-US" dirty="0" err="1" smtClean="0"/>
               <a:t>Con’t</a:t>
             </a:r>
             <a:r>
-              <a:rPr lang="en-US" dirty="0"/>
+              <a:rPr lang="en-US" dirty="0" smtClean="0"/>
               <a:t>)</a:t>
             </a:r>
+            <a:endParaRPr lang="en-US" dirty="0"/>
           </a:p>
         </p:txBody>
       </p:sp>
@@ -6001,26 +6448,54 @@
             </a:pPr>
             <a:r>
               <a:rPr lang="en-US" dirty="0" smtClean="0"/>
-              <a:t>Manager</a:t>
+              <a:t>Buyer</a:t>
             </a:r>
           </a:p>
           <a:p>
             <a:r>
               <a:rPr lang="en-US" dirty="0"/>
-              <a:t>Give information</a:t>
+              <a:t>Search</a:t>
             </a:r>
           </a:p>
           <a:p>
             <a:r>
               <a:rPr lang="en-US" dirty="0"/>
-              <a:t>Introduce property </a:t>
+              <a:t>Register, login. Logout</a:t>
             </a:r>
           </a:p>
           <a:p>
             <a:r>
               <a:rPr lang="en-US" dirty="0"/>
-              <a:t>Update property </a:t>
-            </a:r>
+              <a:t>Ask </a:t>
+            </a:r>
+            <a:r>
+              <a:rPr lang="en-US" dirty="0" smtClean="0"/>
+              <a:t>information</a:t>
+            </a:r>
+          </a:p>
+          <a:p>
+            <a:r>
+              <a:rPr lang="en-US" dirty="0" smtClean="0"/>
+              <a:t>Book appointment</a:t>
+            </a:r>
+          </a:p>
+          <a:p>
+            <a:r>
+              <a:rPr lang="en-US" dirty="0" smtClean="0"/>
+              <a:t>Propose offer</a:t>
+            </a:r>
+            <a:endParaRPr lang="en-US" dirty="0"/>
+          </a:p>
+          <a:p>
+            <a:r>
+              <a:rPr lang="en-US" dirty="0"/>
+              <a:t>Buy, </a:t>
+            </a:r>
+            <a:r>
+              <a:rPr lang="en-US" dirty="0" smtClean="0"/>
+              <a:t>rent</a:t>
+            </a:r>
+            <a:endParaRPr lang="en-US" dirty="0"/>
           </a:p>
           <a:p>
             <a:pPr marL="0" marR="0" lvl="0" indent="0" defTabSz="914400" eaLnBrk="1" fontAlgn="auto" latinLnBrk="0" hangingPunct="1">
@@ -6040,6 +6515,129 @@
               <a:tabLst/>
               <a:defRPr/>
             </a:pPr>
+            <a:endParaRPr lang="en-US" dirty="0"/>
+          </a:p>
+        </p:txBody>
+      </p:sp>
+    </p:spTree>
+    <p:extLst>
+      <p:ext uri="{BB962C8B-B14F-4D97-AF65-F5344CB8AC3E}">
+        <p14:creationId xmlns:p14="http://schemas.microsoft.com/office/powerpoint/2010/main" val="1098771653"/>
+      </p:ext>
+    </p:extLst>
+  </p:cSld>
+  <p:clrMapOvr>
+    <a:masterClrMapping/>
+  </p:clrMapOvr>
+  <p:timing>
+    <p:tnLst>
+      <p:par>
+        <p:cTn id="1" dur="indefinite" restart="never" nodeType="tmRoot"/>
+      </p:par>
+    </p:tnLst>
+  </p:timing>
+</p:sld>
+</file>
+
+<file path=ppt/slides/slide7.xml><?xml version="1.0" encoding="utf-8"?>
+<p:sld xmlns:a="http://schemas.openxmlformats.org/drawingml/2006/main" xmlns:r="http://schemas.openxmlformats.org/officeDocument/2006/relationships" xmlns:p="http://schemas.openxmlformats.org/presentationml/2006/main">
+  <p:cSld>
+    <p:spTree>
+      <p:nvGrpSpPr>
+        <p:cNvPr id="1" name=""/>
+        <p:cNvGrpSpPr/>
+        <p:nvPr/>
+      </p:nvGrpSpPr>
+      <p:grpSpPr>
+        <a:xfrm>
+          <a:off x="0" y="0"/>
+          <a:ext cx="0" cy="0"/>
+          <a:chOff x="0" y="0"/>
+          <a:chExt cx="0" cy="0"/>
+        </a:xfrm>
+      </p:grpSpPr>
+      <p:sp>
+        <p:nvSpPr>
+          <p:cNvPr id="2" name="Title 1"/>
+          <p:cNvSpPr>
+            <a:spLocks noGrp="1"/>
+          </p:cNvSpPr>
+          <p:nvPr>
+            <p:ph type="title"/>
+          </p:nvPr>
+        </p:nvSpPr>
+        <p:spPr/>
+        <p:txBody>
+          <a:bodyPr/>
+          <a:lstStyle/>
+          <a:p>
+            <a:r>
+              <a:rPr lang="en-US" dirty="0"/>
+              <a:t>Key features(</a:t>
+            </a:r>
+            <a:r>
+              <a:rPr lang="en-US" dirty="0" err="1"/>
+              <a:t>Con’t</a:t>
+            </a:r>
+            <a:r>
+              <a:rPr lang="en-US" dirty="0"/>
+              <a:t>)</a:t>
+            </a:r>
+          </a:p>
+        </p:txBody>
+      </p:sp>
+      <p:sp>
+        <p:nvSpPr>
+          <p:cNvPr id="3" name="Content Placeholder 2"/>
+          <p:cNvSpPr>
+            <a:spLocks noGrp="1"/>
+          </p:cNvSpPr>
+          <p:nvPr>
+            <p:ph idx="1"/>
+          </p:nvPr>
+        </p:nvSpPr>
+        <p:spPr/>
+        <p:txBody>
+          <a:bodyPr/>
+          <a:lstStyle/>
+          <a:p>
+            <a:pPr marL="0" marR="0" lvl="0" indent="0" defTabSz="914400" eaLnBrk="1" fontAlgn="auto" latinLnBrk="0" hangingPunct="1">
+              <a:lnSpc>
+                <a:spcPct val="100000"/>
+              </a:lnSpc>
+              <a:spcBef>
+                <a:spcPts val="0"/>
+              </a:spcBef>
+              <a:spcAft>
+                <a:spcPts val="0"/>
+              </a:spcAft>
+              <a:buClrTx/>
+              <a:buSzTx/>
+              <a:buFontTx/>
+              <a:buNone/>
+              <a:tabLst/>
+              <a:defRPr/>
+            </a:pPr>
+            <a:r>
+              <a:rPr lang="en-US" dirty="0" smtClean="0"/>
+              <a:t>Manager</a:t>
+            </a:r>
+          </a:p>
+          <a:p>
+            <a:r>
+              <a:rPr lang="en-US" dirty="0"/>
+              <a:t>Give information</a:t>
+            </a:r>
+          </a:p>
+          <a:p>
+            <a:r>
+              <a:rPr lang="en-US" dirty="0"/>
+              <a:t>Introduce </a:t>
+            </a:r>
+            <a:r>
+              <a:rPr lang="en-US" dirty="0" smtClean="0"/>
+              <a:t>property</a:t>
+            </a:r>
             <a:endParaRPr lang="en-US" dirty="0"/>
           </a:p>
         </p:txBody>
@@ -6064,7 +6662,7 @@
 </p:sld>
 </file>
 
-<file path=ppt/slides/slide7.xml><?xml version="1.0" encoding="utf-8"?>
+<file path=ppt/slides/slide8.xml><?xml version="1.0" encoding="utf-8"?>
 <p:sld xmlns:a="http://schemas.openxmlformats.org/drawingml/2006/main" xmlns:r="http://schemas.openxmlformats.org/officeDocument/2006/relationships" xmlns:p="http://schemas.openxmlformats.org/presentationml/2006/main" showMasterSp="0">
   <p:cSld>
     <p:bg>
@@ -6104,7 +6702,7 @@
         </p:nvSpPr>
         <p:spPr>
           <a:xfrm>
-            <a:off x="2953301" y="1247893"/>
+            <a:off x="2953301" y="1954498"/>
             <a:ext cx="6104976" cy="3247775"/>
           </a:xfrm>
           <a:prstGeom prst="roundRect">
@@ -6149,7 +6747,7 @@
         </p:nvSpPr>
         <p:spPr>
           <a:xfrm>
-            <a:off x="9889957" y="1209925"/>
+            <a:off x="9889957" y="2045043"/>
             <a:ext cx="1725028" cy="2433388"/>
           </a:xfrm>
           <a:prstGeom prst="can">
@@ -6198,43 +6796,6 @@
           </a:p>
         </p:txBody>
       </p:sp>
-      <p:cxnSp>
-        <p:nvCxnSpPr>
-          <p:cNvPr id="16" name="Straight Arrow Connector 15"/>
-          <p:cNvCxnSpPr/>
-          <p:nvPr/>
-        </p:nvCxnSpPr>
-        <p:spPr>
-          <a:xfrm flipV="1">
-            <a:off x="8515345" y="1896854"/>
-            <a:ext cx="1374612" cy="105386"/>
-          </a:xfrm>
-          <a:prstGeom prst="straightConnector1">
-            <a:avLst/>
-          </a:prstGeom>
-          <a:ln w="50800">
-            <a:solidFill>
-              <a:srgbClr val="FFC000"/>
-            </a:solidFill>
-            <a:headEnd type="triangle"/>
-            <a:tailEnd type="triangle"/>
-          </a:ln>
-        </p:spPr>
-        <p:style>
-          <a:lnRef idx="1">
-            <a:schemeClr val="accent1"/>
-          </a:lnRef>
-          <a:fillRef idx="0">
-            <a:schemeClr val="accent1"/>
-          </a:fillRef>
-          <a:effectRef idx="0">
-            <a:schemeClr val="accent1"/>
-          </a:effectRef>
-          <a:fontRef idx="minor">
-            <a:schemeClr val="tx1"/>
-          </a:fontRef>
-        </p:style>
-      </p:cxnSp>
       <p:sp>
         <p:nvSpPr>
           <p:cNvPr id="17" name="TextBox 16"/>
@@ -6243,7 +6804,7 @@
         </p:nvSpPr>
         <p:spPr>
           <a:xfrm>
-            <a:off x="9001125" y="1664872"/>
+            <a:off x="9001125" y="2371477"/>
             <a:ext cx="787395" cy="369332"/>
           </a:xfrm>
           <a:prstGeom prst="rect">
@@ -6287,7 +6848,7 @@
         </p:nvSpPr>
         <p:spPr>
           <a:xfrm>
-            <a:off x="432258" y="1209925"/>
+            <a:off x="432258" y="1833054"/>
             <a:ext cx="1314450" cy="3490663"/>
           </a:xfrm>
           <a:prstGeom prst="roundRect">
@@ -6340,70 +6901,6 @@
           </a:p>
           <a:p>
             <a:pPr algn="ctr"/>
-            <a:endParaRPr lang="en-US" dirty="0">
-              <a:ln w="0"/>
-              <a:solidFill>
-                <a:schemeClr val="tx1"/>
-              </a:solidFill>
-              <a:effectLst>
-                <a:outerShdw blurRad="38100" dist="19050" dir="2700000" algn="tl" rotWithShape="0">
-                  <a:schemeClr val="dk1">
-                    <a:alpha val="40000"/>
-                  </a:schemeClr>
-                </a:outerShdw>
-              </a:effectLst>
-            </a:endParaRPr>
-          </a:p>
-          <a:p>
-            <a:pPr algn="ctr"/>
-            <a:endParaRPr lang="en-US" dirty="0" smtClean="0">
-              <a:ln w="0"/>
-              <a:solidFill>
-                <a:schemeClr val="tx1"/>
-              </a:solidFill>
-              <a:effectLst>
-                <a:outerShdw blurRad="38100" dist="19050" dir="2700000" algn="tl" rotWithShape="0">
-                  <a:schemeClr val="dk1">
-                    <a:alpha val="40000"/>
-                  </a:schemeClr>
-                </a:outerShdw>
-              </a:effectLst>
-            </a:endParaRPr>
-          </a:p>
-          <a:p>
-            <a:pPr algn="ctr"/>
-            <a:endParaRPr lang="en-US" dirty="0">
-              <a:ln w="0"/>
-              <a:solidFill>
-                <a:schemeClr val="tx1"/>
-              </a:solidFill>
-              <a:effectLst>
-                <a:outerShdw blurRad="38100" dist="19050" dir="2700000" algn="tl" rotWithShape="0">
-                  <a:schemeClr val="dk1">
-                    <a:alpha val="40000"/>
-                  </a:schemeClr>
-                </a:outerShdw>
-              </a:effectLst>
-            </a:endParaRPr>
-          </a:p>
-          <a:p>
-            <a:pPr algn="ctr"/>
-            <a:endParaRPr lang="en-US" dirty="0" smtClean="0">
-              <a:ln w="0"/>
-              <a:solidFill>
-                <a:schemeClr val="tx1"/>
-              </a:solidFill>
-              <a:effectLst>
-                <a:outerShdw blurRad="38100" dist="19050" dir="2700000" algn="tl" rotWithShape="0">
-                  <a:schemeClr val="dk1">
-                    <a:alpha val="40000"/>
-                  </a:schemeClr>
-                </a:outerShdw>
-              </a:effectLst>
-            </a:endParaRPr>
-          </a:p>
-          <a:p>
-            <a:pPr algn="ctr"/>
             <a:r>
               <a:rPr lang="en-US" dirty="0" smtClean="0">
                 <a:ln w="0"/>
@@ -6418,84 +6915,28 @@
                   </a:outerShdw>
                 </a:effectLst>
               </a:rPr>
-              <a:t>(Client Request)</a:t>
+              <a:t>(</a:t>
+            </a:r>
+            <a:r>
+              <a:rPr lang="en-US" dirty="0" smtClean="0">
+                <a:ln w="0"/>
+                <a:solidFill>
+                  <a:schemeClr val="tx1"/>
+                </a:solidFill>
+                <a:effectLst>
+                  <a:outerShdw blurRad="38100" dist="19050" dir="2700000" algn="tl" rotWithShape="0">
+                    <a:schemeClr val="dk1">
+                      <a:alpha val="40000"/>
+                    </a:schemeClr>
+                  </a:outerShdw>
+                </a:effectLst>
+              </a:rPr>
+              <a:t>Client Request)</a:t>
             </a:r>
             <a:endParaRPr lang="en-US" dirty="0"/>
           </a:p>
         </p:txBody>
       </p:sp>
-      <p:cxnSp>
-        <p:nvCxnSpPr>
-          <p:cNvPr id="30" name="Straight Arrow Connector 29"/>
-          <p:cNvCxnSpPr/>
-          <p:nvPr/>
-        </p:nvCxnSpPr>
-        <p:spPr>
-          <a:xfrm flipH="1" flipV="1">
-            <a:off x="1746709" y="3900488"/>
-            <a:ext cx="1206592" cy="28568"/>
-          </a:xfrm>
-          <a:prstGeom prst="straightConnector1">
-            <a:avLst/>
-          </a:prstGeom>
-          <a:ln w="50800">
-            <a:solidFill>
-              <a:srgbClr val="FFC000"/>
-            </a:solidFill>
-            <a:tailEnd type="triangle"/>
-          </a:ln>
-        </p:spPr>
-        <p:style>
-          <a:lnRef idx="1">
-            <a:schemeClr val="accent1"/>
-          </a:lnRef>
-          <a:fillRef idx="0">
-            <a:schemeClr val="accent1"/>
-          </a:fillRef>
-          <a:effectRef idx="0">
-            <a:schemeClr val="accent1"/>
-          </a:effectRef>
-          <a:fontRef idx="minor">
-            <a:schemeClr val="tx1"/>
-          </a:fontRef>
-        </p:style>
-      </p:cxnSp>
-      <p:cxnSp>
-        <p:nvCxnSpPr>
-          <p:cNvPr id="33" name="Straight Arrow Connector 32"/>
-          <p:cNvCxnSpPr/>
-          <p:nvPr/>
-        </p:nvCxnSpPr>
-        <p:spPr>
-          <a:xfrm>
-            <a:off x="1746708" y="2023185"/>
-            <a:ext cx="1206593" cy="11019"/>
-          </a:xfrm>
-          <a:prstGeom prst="straightConnector1">
-            <a:avLst/>
-          </a:prstGeom>
-          <a:ln w="50800">
-            <a:solidFill>
-              <a:srgbClr val="FFC000"/>
-            </a:solidFill>
-            <a:tailEnd type="triangle"/>
-          </a:ln>
-        </p:spPr>
-        <p:style>
-          <a:lnRef idx="1">
-            <a:schemeClr val="accent1"/>
-          </a:lnRef>
-          <a:fillRef idx="0">
-            <a:schemeClr val="accent1"/>
-          </a:fillRef>
-          <a:effectRef idx="0">
-            <a:schemeClr val="accent1"/>
-          </a:effectRef>
-          <a:fontRef idx="minor">
-            <a:schemeClr val="tx1"/>
-          </a:fontRef>
-        </p:style>
-      </p:cxnSp>
       <p:sp>
         <p:nvSpPr>
           <p:cNvPr id="35" name="TextBox 34"/>
@@ -6504,7 +6945,7 @@
         </p:nvSpPr>
         <p:spPr>
           <a:xfrm rot="17405995">
-            <a:off x="1757777" y="2851912"/>
+            <a:off x="1757777" y="3558517"/>
             <a:ext cx="890056" cy="369332"/>
           </a:xfrm>
           <a:prstGeom prst="rect">
@@ -6519,10 +6960,10 @@
           <a:lstStyle/>
           <a:p>
             <a:r>
-              <a:rPr lang="en-US" smtClean="0"/>
+              <a:rPr lang="en-US" dirty="0" smtClean="0"/>
               <a:t>HTTP</a:t>
             </a:r>
-            <a:endParaRPr lang="en-US"/>
+            <a:endParaRPr lang="en-US" dirty="0"/>
           </a:p>
         </p:txBody>
       </p:sp>
@@ -6534,7 +6975,7 @@
         </p:nvSpPr>
         <p:spPr>
           <a:xfrm>
-            <a:off x="3381929" y="1514475"/>
+            <a:off x="3381929" y="2221080"/>
             <a:ext cx="5379901" cy="2667369"/>
           </a:xfrm>
           <a:prstGeom prst="roundRect">
@@ -6579,7 +7020,7 @@
         </p:nvSpPr>
         <p:spPr>
           <a:xfrm>
-            <a:off x="4157654" y="1836328"/>
+            <a:off x="4157654" y="2542933"/>
             <a:ext cx="2471737" cy="521117"/>
           </a:xfrm>
           <a:prstGeom prst="roundRect">
@@ -6621,7 +7062,7 @@
         </p:nvSpPr>
         <p:spPr>
           <a:xfrm>
-            <a:off x="7358058" y="1793464"/>
+            <a:off x="7358058" y="2500069"/>
             <a:ext cx="1157287" cy="563981"/>
           </a:xfrm>
           <a:prstGeom prst="roundRect">
@@ -6678,7 +7119,7 @@
         </p:nvCxnSpPr>
         <p:spPr>
           <a:xfrm>
-            <a:off x="6629400" y="2002240"/>
+            <a:off x="6629400" y="2708845"/>
             <a:ext cx="728658" cy="20945"/>
           </a:xfrm>
           <a:prstGeom prst="straightConnector1">
@@ -6714,7 +7155,7 @@
         </p:nvCxnSpPr>
         <p:spPr>
           <a:xfrm flipH="1" flipV="1">
-            <a:off x="6629392" y="2257425"/>
+            <a:off x="6629392" y="2964030"/>
             <a:ext cx="728666" cy="26319"/>
           </a:xfrm>
           <a:prstGeom prst="straightConnector1">
@@ -6750,7 +7191,7 @@
         </p:nvSpPr>
         <p:spPr>
           <a:xfrm>
-            <a:off x="6936582" y="3219955"/>
+            <a:off x="6936582" y="3926560"/>
             <a:ext cx="1157287" cy="521117"/>
           </a:xfrm>
           <a:prstGeom prst="roundRect">
@@ -6807,7 +7248,7 @@
         </p:nvCxnSpPr>
         <p:spPr>
           <a:xfrm>
-            <a:off x="6629391" y="2357445"/>
+            <a:off x="6629391" y="3064050"/>
             <a:ext cx="607229" cy="862510"/>
           </a:xfrm>
           <a:prstGeom prst="straightConnector1">
@@ -6843,7 +7284,7 @@
         </p:nvGrpSpPr>
         <p:grpSpPr>
           <a:xfrm>
-            <a:off x="3614747" y="2871781"/>
+            <a:off x="3614747" y="3578386"/>
             <a:ext cx="1247771" cy="1262059"/>
             <a:chOff x="3357563" y="3014661"/>
             <a:chExt cx="1247771" cy="1262059"/>
@@ -7740,7 +8181,7 @@
         </p:nvCxnSpPr>
         <p:spPr>
           <a:xfrm flipH="1">
-            <a:off x="4619622" y="3480514"/>
+            <a:off x="4619622" y="4187119"/>
             <a:ext cx="2316960" cy="62784"/>
           </a:xfrm>
           <a:prstGeom prst="straightConnector1">
@@ -7776,7 +8217,7 @@
         </p:nvSpPr>
         <p:spPr>
           <a:xfrm>
-            <a:off x="4862518" y="4476013"/>
+            <a:off x="4862518" y="5182618"/>
             <a:ext cx="2780633" cy="369332"/>
           </a:xfrm>
           <a:prstGeom prst="rect">
@@ -7806,8 +8247,8 @@
         </p:nvSpPr>
         <p:spPr>
           <a:xfrm>
-            <a:off x="4913163" y="3780678"/>
-            <a:ext cx="1719381" cy="369332"/>
+            <a:off x="4555373" y="4832941"/>
+            <a:ext cx="2681247" cy="369332"/>
           </a:xfrm>
           <a:prstGeom prst="rect">
             <a:avLst/>
@@ -7829,7 +8270,7 @@
                   </a:schemeClr>
                 </a:solidFill>
               </a:rPr>
-              <a:t>Web Container</a:t>
+              <a:t>Web Container (Tomcat)</a:t>
             </a:r>
             <a:endParaRPr lang="en-US" dirty="0">
               <a:solidFill>
@@ -7850,7 +8291,7 @@
         </p:nvSpPr>
         <p:spPr>
           <a:xfrm>
-            <a:off x="1844028" y="1405324"/>
+            <a:off x="1844028" y="2111929"/>
             <a:ext cx="1043876" cy="369332"/>
           </a:xfrm>
           <a:prstGeom prst="rect">
@@ -7894,7 +8335,7 @@
         </p:nvSpPr>
         <p:spPr>
           <a:xfrm>
-            <a:off x="1841956" y="4068243"/>
+            <a:off x="1841956" y="4774848"/>
             <a:ext cx="1223412" cy="369332"/>
           </a:xfrm>
           <a:prstGeom prst="rect">
@@ -7938,8 +8379,8 @@
         </p:nvSpPr>
         <p:spPr>
           <a:xfrm>
-            <a:off x="2812358" y="299931"/>
-            <a:ext cx="6097951" cy="369332"/>
+            <a:off x="6506435" y="299930"/>
+            <a:ext cx="4989379" cy="646331"/>
           </a:xfrm>
           <a:prstGeom prst="rect">
             <a:avLst/>
@@ -7953,17 +8394,134 @@
           <a:lstStyle/>
           <a:p>
             <a:r>
-              <a:rPr lang="en-US" dirty="0" smtClean="0"/>
-              <a:t>Real Estate Management System, </a:t>
-            </a:r>
-            <a:r>
-              <a:rPr lang="en-US" smtClean="0"/>
-              <a:t>high level architectural design</a:t>
-            </a:r>
-            <a:endParaRPr lang="en-US"/>
-          </a:p>
-        </p:txBody>
-      </p:sp>
+              <a:rPr lang="en-US" sz="3600" b="1" dirty="0">
+                <a:solidFill>
+                  <a:schemeClr val="accent2">
+                    <a:lumMod val="50000"/>
+                  </a:schemeClr>
+                </a:solidFill>
+              </a:rPr>
+              <a:t>Model 2 Architectures</a:t>
+            </a:r>
+            <a:endParaRPr lang="en-US" sz="3400" dirty="0">
+              <a:solidFill>
+                <a:schemeClr val="accent2">
+                  <a:lumMod val="50000"/>
+                </a:schemeClr>
+              </a:solidFill>
+            </a:endParaRPr>
+          </a:p>
+        </p:txBody>
+      </p:sp>
+      <p:cxnSp>
+        <p:nvCxnSpPr>
+          <p:cNvPr id="33" name="Straight Arrow Connector 32"/>
+          <p:cNvCxnSpPr/>
+          <p:nvPr/>
+        </p:nvCxnSpPr>
+        <p:spPr>
+          <a:xfrm flipV="1">
+            <a:off x="1746708" y="2708845"/>
+            <a:ext cx="2491924" cy="20945"/>
+          </a:xfrm>
+          <a:prstGeom prst="straightConnector1">
+            <a:avLst/>
+          </a:prstGeom>
+          <a:ln w="50800">
+            <a:solidFill>
+              <a:srgbClr val="FFC000"/>
+            </a:solidFill>
+            <a:tailEnd type="triangle"/>
+          </a:ln>
+        </p:spPr>
+        <p:style>
+          <a:lnRef idx="1">
+            <a:schemeClr val="accent1"/>
+          </a:lnRef>
+          <a:fillRef idx="0">
+            <a:schemeClr val="accent1"/>
+          </a:fillRef>
+          <a:effectRef idx="0">
+            <a:schemeClr val="accent1"/>
+          </a:effectRef>
+          <a:fontRef idx="minor">
+            <a:schemeClr val="tx1"/>
+          </a:fontRef>
+        </p:style>
+      </p:cxnSp>
+      <p:cxnSp>
+        <p:nvCxnSpPr>
+          <p:cNvPr id="30" name="Straight Arrow Connector 29"/>
+          <p:cNvCxnSpPr/>
+          <p:nvPr/>
+        </p:nvCxnSpPr>
+        <p:spPr>
+          <a:xfrm flipH="1">
+            <a:off x="1746709" y="4447677"/>
+            <a:ext cx="1868038" cy="39606"/>
+          </a:xfrm>
+          <a:prstGeom prst="straightConnector1">
+            <a:avLst/>
+          </a:prstGeom>
+          <a:ln w="50800">
+            <a:solidFill>
+              <a:srgbClr val="FFC000"/>
+            </a:solidFill>
+            <a:tailEnd type="triangle"/>
+          </a:ln>
+        </p:spPr>
+        <p:style>
+          <a:lnRef idx="1">
+            <a:schemeClr val="accent1"/>
+          </a:lnRef>
+          <a:fillRef idx="0">
+            <a:schemeClr val="accent1"/>
+          </a:fillRef>
+          <a:effectRef idx="0">
+            <a:schemeClr val="accent1"/>
+          </a:effectRef>
+          <a:fontRef idx="minor">
+            <a:schemeClr val="tx1"/>
+          </a:fontRef>
+        </p:style>
+      </p:cxnSp>
+      <p:cxnSp>
+        <p:nvCxnSpPr>
+          <p:cNvPr id="16" name="Straight Arrow Connector 15"/>
+          <p:cNvCxnSpPr/>
+          <p:nvPr/>
+        </p:nvCxnSpPr>
+        <p:spPr>
+          <a:xfrm>
+            <a:off x="8515345" y="2708845"/>
+            <a:ext cx="1374612" cy="0"/>
+          </a:xfrm>
+          <a:prstGeom prst="straightConnector1">
+            <a:avLst/>
+          </a:prstGeom>
+          <a:ln w="50800">
+            <a:solidFill>
+              <a:srgbClr val="FFC000"/>
+            </a:solidFill>
+            <a:headEnd type="triangle"/>
+            <a:tailEnd type="triangle"/>
+          </a:ln>
+        </p:spPr>
+        <p:style>
+          <a:lnRef idx="1">
+            <a:schemeClr val="accent1"/>
+          </a:lnRef>
+          <a:fillRef idx="0">
+            <a:schemeClr val="accent1"/>
+          </a:fillRef>
+          <a:effectRef idx="0">
+            <a:schemeClr val="accent1"/>
+          </a:effectRef>
+          <a:fontRef idx="minor">
+            <a:schemeClr val="tx1"/>
+          </a:fontRef>
+        </p:style>
+      </p:cxnSp>
     </p:spTree>
     <p:extLst>
       <p:ext uri="{BB962C8B-B14F-4D97-AF65-F5344CB8AC3E}">
@@ -7984,7 +8542,7 @@
 </p:sld>
 </file>
 
-<file path=ppt/slides/slide8.xml><?xml version="1.0" encoding="utf-8"?>
+<file path=ppt/slides/slide9.xml><?xml version="1.0" encoding="utf-8"?>
 <p:sld xmlns:a="http://schemas.openxmlformats.org/drawingml/2006/main" xmlns:r="http://schemas.openxmlformats.org/officeDocument/2006/relationships" xmlns:p="http://schemas.openxmlformats.org/presentationml/2006/main" showMasterSp="0">
   <p:cSld>
     <p:spTree>
@@ -8079,103 +8637,6 @@
     <p:extLst>
       <p:ext uri="{BB962C8B-B14F-4D97-AF65-F5344CB8AC3E}">
         <p14:creationId xmlns:p14="http://schemas.microsoft.com/office/powerpoint/2010/main" val="597749978"/>
-      </p:ext>
-    </p:extLst>
-  </p:cSld>
-  <p:clrMapOvr>
-    <a:masterClrMapping/>
-  </p:clrMapOvr>
-  <p:timing>
-    <p:tnLst>
-      <p:par>
-        <p:cTn id="1" dur="indefinite" restart="never" nodeType="tmRoot"/>
-      </p:par>
-    </p:tnLst>
-  </p:timing>
-</p:sld>
-</file>
-
-<file path=ppt/slides/slide9.xml><?xml version="1.0" encoding="utf-8"?>
-<p:sld xmlns:a="http://schemas.openxmlformats.org/drawingml/2006/main" xmlns:r="http://schemas.openxmlformats.org/officeDocument/2006/relationships" xmlns:p="http://schemas.openxmlformats.org/presentationml/2006/main">
-  <p:cSld>
-    <p:spTree>
-      <p:nvGrpSpPr>
-        <p:cNvPr id="1" name=""/>
-        <p:cNvGrpSpPr/>
-        <p:nvPr/>
-      </p:nvGrpSpPr>
-      <p:grpSpPr>
-        <a:xfrm>
-          <a:off x="0" y="0"/>
-          <a:ext cx="0" cy="0"/>
-          <a:chOff x="0" y="0"/>
-          <a:chExt cx="0" cy="0"/>
-        </a:xfrm>
-      </p:grpSpPr>
-      <p:pic>
-        <p:nvPicPr>
-          <p:cNvPr id="5" name="Picture 4"/>
-          <p:cNvPicPr>
-            <a:picLocks noChangeAspect="1"/>
-          </p:cNvPicPr>
-          <p:nvPr/>
-        </p:nvPicPr>
-        <p:blipFill>
-          <a:blip r:embed="rId2">
-            <a:extLst>
-              <a:ext uri="{28A0092B-C50C-407E-A947-70E740481C1C}">
-                <a14:useLocalDpi xmlns:a14="http://schemas.microsoft.com/office/drawing/2010/main" val="0"/>
-              </a:ext>
-            </a:extLst>
-          </a:blip>
-          <a:stretch>
-            <a:fillRect/>
-          </a:stretch>
-        </p:blipFill>
-        <p:spPr>
-          <a:xfrm>
-            <a:off x="0" y="885824"/>
-            <a:ext cx="12192000" cy="5972175"/>
-          </a:xfrm>
-          <a:prstGeom prst="rect">
-            <a:avLst/>
-          </a:prstGeom>
-        </p:spPr>
-      </p:pic>
-      <p:sp>
-        <p:nvSpPr>
-          <p:cNvPr id="6" name="TextBox 5"/>
-          <p:cNvSpPr txBox="1"/>
-          <p:nvPr/>
-        </p:nvSpPr>
-        <p:spPr>
-          <a:xfrm>
-            <a:off x="3186113" y="414338"/>
-            <a:ext cx="5506636" cy="369332"/>
-          </a:xfrm>
-          <a:prstGeom prst="rect">
-            <a:avLst/>
-          </a:prstGeom>
-          <a:noFill/>
-        </p:spPr>
-        <p:txBody>
-          <a:bodyPr wrap="none" rtlCol="0">
-            <a:spAutoFit/>
-          </a:bodyPr>
-          <a:lstStyle/>
-          <a:p>
-            <a:r>
-              <a:rPr lang="en-US" dirty="0" smtClean="0"/>
-              <a:t>Example of sequence diagram/ Property registration</a:t>
-            </a:r>
-            <a:endParaRPr lang="en-US" dirty="0"/>
-          </a:p>
-        </p:txBody>
-      </p:sp>
-    </p:spTree>
-    <p:extLst>
-      <p:ext uri="{BB962C8B-B14F-4D97-AF65-F5344CB8AC3E}">
-        <p14:creationId xmlns:p14="http://schemas.microsoft.com/office/powerpoint/2010/main" val="13294474"/>
       </p:ext>
     </p:extLst>
   </p:cSld>
@@ -8407,7 +8868,7 @@
   <a:extraClrSchemeLst/>
   <a:extLst>
     <a:ext uri="{05A4C25C-085E-4340-85A3-A5531E510DB2}">
-      <thm15:themeFamily xmlns:thm15="http://schemas.microsoft.com/office/thememl/2012/main" name="Madison" id="{025CB5FB-2DD3-45EE-B6F0-CC461540EB19}" vid="{6AC10936-2DFC-4054-9ADF-B5E2C5F86190}"/>
+      <thm15:themeFamily xmlns:thm15="http://schemas.microsoft.com/office/thememl/2012/main" xmlns="" name="Madison" id="{025CB5FB-2DD3-45EE-B6F0-CC461540EB19}" vid="{6AC10936-2DFC-4054-9ADF-B5E2C5F86190}"/>
     </a:ext>
   </a:extLst>
 </a:theme>
